--- a/semester-5/java/UNIT 1.pptx
+++ b/semester-5/java/UNIT 1.pptx
@@ -346,7 +346,7 @@
           <a:p>
             <a:fld id="{24A73694-3AA3-4014-96F4-EEBEB192E323}" type="datetimeFigureOut">
               <a:rPr lang="en-US" smtClean="0"/>
-              <a:t>9/27/2022</a:t>
+              <a:t>12/25/2022</a:t>
             </a:fld>
             <a:endParaRPr lang="en-US"/>
           </a:p>
@@ -514,7 +514,7 @@
           <a:p>
             <a:fld id="{24A73694-3AA3-4014-96F4-EEBEB192E323}" type="datetimeFigureOut">
               <a:rPr lang="en-US" smtClean="0"/>
-              <a:t>9/27/2022</a:t>
+              <a:t>12/25/2022</a:t>
             </a:fld>
             <a:endParaRPr lang="en-US"/>
           </a:p>
@@ -692,7 +692,7 @@
           <a:p>
             <a:fld id="{24A73694-3AA3-4014-96F4-EEBEB192E323}" type="datetimeFigureOut">
               <a:rPr lang="en-US" smtClean="0"/>
-              <a:t>9/27/2022</a:t>
+              <a:t>12/25/2022</a:t>
             </a:fld>
             <a:endParaRPr lang="en-US"/>
           </a:p>
@@ -860,7 +860,7 @@
           <a:p>
             <a:fld id="{24A73694-3AA3-4014-96F4-EEBEB192E323}" type="datetimeFigureOut">
               <a:rPr lang="en-US" smtClean="0"/>
-              <a:t>9/27/2022</a:t>
+              <a:t>12/25/2022</a:t>
             </a:fld>
             <a:endParaRPr lang="en-US"/>
           </a:p>
@@ -1105,7 +1105,7 @@
           <a:p>
             <a:fld id="{24A73694-3AA3-4014-96F4-EEBEB192E323}" type="datetimeFigureOut">
               <a:rPr lang="en-US" smtClean="0"/>
-              <a:t>9/27/2022</a:t>
+              <a:t>12/25/2022</a:t>
             </a:fld>
             <a:endParaRPr lang="en-US"/>
           </a:p>
@@ -1390,7 +1390,7 @@
           <a:p>
             <a:fld id="{24A73694-3AA3-4014-96F4-EEBEB192E323}" type="datetimeFigureOut">
               <a:rPr lang="en-US" smtClean="0"/>
-              <a:t>9/27/2022</a:t>
+              <a:t>12/25/2022</a:t>
             </a:fld>
             <a:endParaRPr lang="en-US"/>
           </a:p>
@@ -1809,7 +1809,7 @@
           <a:p>
             <a:fld id="{24A73694-3AA3-4014-96F4-EEBEB192E323}" type="datetimeFigureOut">
               <a:rPr lang="en-US" smtClean="0"/>
-              <a:t>9/27/2022</a:t>
+              <a:t>12/25/2022</a:t>
             </a:fld>
             <a:endParaRPr lang="en-US"/>
           </a:p>
@@ -1926,7 +1926,7 @@
           <a:p>
             <a:fld id="{24A73694-3AA3-4014-96F4-EEBEB192E323}" type="datetimeFigureOut">
               <a:rPr lang="en-US" smtClean="0"/>
-              <a:t>9/27/2022</a:t>
+              <a:t>12/25/2022</a:t>
             </a:fld>
             <a:endParaRPr lang="en-US"/>
           </a:p>
@@ -2021,7 +2021,7 @@
           <a:p>
             <a:fld id="{24A73694-3AA3-4014-96F4-EEBEB192E323}" type="datetimeFigureOut">
               <a:rPr lang="en-US" smtClean="0"/>
-              <a:t>9/27/2022</a:t>
+              <a:t>12/25/2022</a:t>
             </a:fld>
             <a:endParaRPr lang="en-US"/>
           </a:p>
@@ -2296,7 +2296,7 @@
           <a:p>
             <a:fld id="{24A73694-3AA3-4014-96F4-EEBEB192E323}" type="datetimeFigureOut">
               <a:rPr lang="en-US" smtClean="0"/>
-              <a:t>9/27/2022</a:t>
+              <a:t>12/25/2022</a:t>
             </a:fld>
             <a:endParaRPr lang="en-US"/>
           </a:p>
@@ -2548,7 +2548,7 @@
           <a:p>
             <a:fld id="{24A73694-3AA3-4014-96F4-EEBEB192E323}" type="datetimeFigureOut">
               <a:rPr lang="en-US" smtClean="0"/>
-              <a:t>9/27/2022</a:t>
+              <a:t>12/25/2022</a:t>
             </a:fld>
             <a:endParaRPr lang="en-US"/>
           </a:p>
@@ -2759,7 +2759,7 @@
           <a:p>
             <a:fld id="{24A73694-3AA3-4014-96F4-EEBEB192E323}" type="datetimeFigureOut">
               <a:rPr lang="en-US" smtClean="0"/>
-              <a:t>9/27/2022</a:t>
+              <a:t>12/25/2022</a:t>
             </a:fld>
             <a:endParaRPr lang="en-US"/>
           </a:p>
@@ -7741,7 +7741,7 @@
         </p:blipFill>
         <p:spPr bwMode="auto">
           <a:xfrm>
-            <a:off x="1752600" y="858982"/>
+            <a:off x="1752600" y="957943"/>
             <a:ext cx="5781633" cy="4604657"/>
           </a:xfrm>
           <a:prstGeom prst="rect">
